--- a/数据介绍.pptx
+++ b/数据介绍.pptx
@@ -1337,7 +1337,7 @@
           <a:p>
             <a:fld id="{29CE3CAC-0B1E-4B0F-BCD4-9320844A36FA}" type="datetimeFigureOut">
               <a:rPr lang="zh-CN" altLang="en-US" smtClean="0"/>
-              <a:t>2018/8/26</a:t>
+              <a:t>2020/3/11</a:t>
             </a:fld>
             <a:endParaRPr lang="zh-CN" altLang="en-US"/>
           </a:p>
@@ -1575,7 +1575,7 @@
           <a:p>
             <a:fld id="{29CE3CAC-0B1E-4B0F-BCD4-9320844A36FA}" type="datetimeFigureOut">
               <a:rPr lang="zh-CN" altLang="en-US" smtClean="0"/>
-              <a:t>2018/8/26</a:t>
+              <a:t>2020/3/11</a:t>
             </a:fld>
             <a:endParaRPr lang="zh-CN" altLang="en-US"/>
           </a:p>
@@ -1755,7 +1755,7 @@
           <a:p>
             <a:fld id="{29CE3CAC-0B1E-4B0F-BCD4-9320844A36FA}" type="datetimeFigureOut">
               <a:rPr lang="zh-CN" altLang="en-US" smtClean="0"/>
-              <a:t>2018/8/26</a:t>
+              <a:t>2020/3/11</a:t>
             </a:fld>
             <a:endParaRPr lang="zh-CN" altLang="en-US"/>
           </a:p>
@@ -1925,7 +1925,7 @@
           <a:p>
             <a:fld id="{29CE3CAC-0B1E-4B0F-BCD4-9320844A36FA}" type="datetimeFigureOut">
               <a:rPr lang="zh-CN" altLang="en-US" smtClean="0"/>
-              <a:t>2018/8/26</a:t>
+              <a:t>2020/3/11</a:t>
             </a:fld>
             <a:endParaRPr lang="zh-CN" altLang="en-US"/>
           </a:p>
@@ -2201,7 +2201,7 @@
           <a:p>
             <a:fld id="{29CE3CAC-0B1E-4B0F-BCD4-9320844A36FA}" type="datetimeFigureOut">
               <a:rPr lang="zh-CN" altLang="en-US" smtClean="0"/>
-              <a:t>2018/8/26</a:t>
+              <a:t>2020/3/11</a:t>
             </a:fld>
             <a:endParaRPr lang="zh-CN" altLang="en-US"/>
           </a:p>
@@ -3402,7 +3402,7 @@
           <a:p>
             <a:fld id="{29CE3CAC-0B1E-4B0F-BCD4-9320844A36FA}" type="datetimeFigureOut">
               <a:rPr lang="zh-CN" altLang="en-US" smtClean="0"/>
-              <a:t>2018/8/26</a:t>
+              <a:t>2020/3/11</a:t>
             </a:fld>
             <a:endParaRPr lang="zh-CN" altLang="en-US"/>
           </a:p>
@@ -3792,7 +3792,7 @@
           <a:p>
             <a:fld id="{29CE3CAC-0B1E-4B0F-BCD4-9320844A36FA}" type="datetimeFigureOut">
               <a:rPr lang="zh-CN" altLang="en-US" smtClean="0"/>
-              <a:t>2018/8/26</a:t>
+              <a:t>2020/3/11</a:t>
             </a:fld>
             <a:endParaRPr lang="zh-CN" altLang="en-US"/>
           </a:p>
@@ -3915,7 +3915,7 @@
           <a:p>
             <a:fld id="{29CE3CAC-0B1E-4B0F-BCD4-9320844A36FA}" type="datetimeFigureOut">
               <a:rPr lang="zh-CN" altLang="en-US" smtClean="0"/>
-              <a:t>2018/8/26</a:t>
+              <a:t>2020/3/11</a:t>
             </a:fld>
             <a:endParaRPr lang="zh-CN" altLang="en-US"/>
           </a:p>
@@ -4010,7 +4010,7 @@
           <a:p>
             <a:fld id="{29CE3CAC-0B1E-4B0F-BCD4-9320844A36FA}" type="datetimeFigureOut">
               <a:rPr lang="zh-CN" altLang="en-US" smtClean="0"/>
-              <a:t>2018/8/26</a:t>
+              <a:t>2020/3/11</a:t>
             </a:fld>
             <a:endParaRPr lang="zh-CN" altLang="en-US"/>
           </a:p>
@@ -4773,7 +4773,7 @@
           <a:p>
             <a:fld id="{29CE3CAC-0B1E-4B0F-BCD4-9320844A36FA}" type="datetimeFigureOut">
               <a:rPr lang="zh-CN" altLang="en-US" smtClean="0"/>
-              <a:t>2018/8/26</a:t>
+              <a:t>2020/3/11</a:t>
             </a:fld>
             <a:endParaRPr lang="zh-CN" altLang="en-US"/>
           </a:p>
@@ -5613,7 +5613,7 @@
           <a:p>
             <a:fld id="{29CE3CAC-0B1E-4B0F-BCD4-9320844A36FA}" type="datetimeFigureOut">
               <a:rPr lang="zh-CN" altLang="en-US" smtClean="0"/>
-              <a:t>2018/8/26</a:t>
+              <a:t>2020/3/11</a:t>
             </a:fld>
             <a:endParaRPr lang="zh-CN" altLang="en-US"/>
           </a:p>
@@ -5840,7 +5840,7 @@
           <a:p>
             <a:fld id="{29CE3CAC-0B1E-4B0F-BCD4-9320844A36FA}" type="datetimeFigureOut">
               <a:rPr lang="zh-CN" altLang="en-US" smtClean="0"/>
-              <a:t>2018/8/26</a:t>
+              <a:t>2020/3/11</a:t>
             </a:fld>
             <a:endParaRPr lang="zh-CN" altLang="en-US"/>
           </a:p>
@@ -6849,7 +6849,12 @@
             <p:ph type="ctrTitle"/>
           </p:nvPr>
         </p:nvSpPr>
-        <p:spPr/>
+        <p:spPr>
+          <a:xfrm>
+            <a:off x="1078522" y="987178"/>
+            <a:ext cx="10318418" cy="4394988"/>
+          </a:xfrm>
+        </p:spPr>
         <p:txBody>
           <a:bodyPr/>
           <a:lstStyle/>
@@ -9460,11 +9465,7 @@
             </a:r>
             <a:r>
               <a:rPr lang="zh-CN" altLang="en-US" dirty="0" smtClean="0"/>
-              <a:t>上</a:t>
-            </a:r>
-            <a:r>
-              <a:rPr lang="zh-CN" altLang="en-US" dirty="0" smtClean="0"/>
-              <a:t>，本想以新闻条数作为电影影响力的一个指标，但是发现，在</a:t>
+              <a:t>上，本想以新闻条数作为电影影响力的一个指标，但是发现，在</a:t>
             </a:r>
             <a:r>
               <a:rPr lang="en-US" altLang="zh-CN" dirty="0" smtClean="0"/>
